--- a/对比大模型/常识知识/叠放物品/LLM的常识知识_测试_叠放物品_稳定性.pptx
+++ b/对比大模型/常识知识/叠放物品/LLM的常识知识_测试_叠放物品_稳定性.pptx
@@ -8,8 +8,8 @@
     <p:notesMasterId r:id="rId21"/>
   </p:notesMasterIdLst>
   <p:sldIdLst>
-    <p:sldId id="268" r:id="rId2"/>
-    <p:sldId id="275" r:id="rId3"/>
+    <p:sldId id="275" r:id="rId2"/>
+    <p:sldId id="268" r:id="rId3"/>
     <p:sldId id="269" r:id="rId4"/>
     <p:sldId id="271" r:id="rId5"/>
     <p:sldId id="270" r:id="rId6"/>
@@ -547,7 +547,7 @@
           <a:p>
             <a:fld id="{F1DA7699-BC5D-446D-8662-82F5F4320A39}" type="slidenum">
               <a:rPr lang="zh-CN" altLang="en-US" smtClean="0"/>
-              <a:t>2</a:t>
+              <a:t>1</a:t>
             </a:fld>
             <a:endParaRPr lang="zh-CN" altLang="en-US"/>
           </a:p>
@@ -3609,72 +3609,98 @@
           <a:chExt cx="0" cy="0"/>
         </a:xfrm>
       </p:grpSpPr>
-      <p:pic>
-        <p:nvPicPr>
-          <p:cNvPr id="3" name="图片 2">
+      <p:sp>
+        <p:nvSpPr>
+          <p:cNvPr id="2" name="标题 1">
             <a:extLst>
               <a:ext uri="{FF2B5EF4-FFF2-40B4-BE49-F238E27FC236}">
-                <a16:creationId xmlns:a16="http://schemas.microsoft.com/office/drawing/2014/main" id="{502FC6F1-75AD-42AF-B03E-D965DD40CADA}"/>
+                <a16:creationId xmlns:a16="http://schemas.microsoft.com/office/drawing/2014/main" id="{7785A83E-31EE-4AB3-B4A1-D5DAA3904E23}"/>
               </a:ext>
             </a:extLst>
           </p:cNvPr>
-          <p:cNvPicPr>
-            <a:picLocks noChangeAspect="1"/>
-          </p:cNvPicPr>
-          <p:nvPr/>
-        </p:nvPicPr>
-        <p:blipFill>
-          <a:blip r:embed="rId2"/>
-          <a:stretch>
-            <a:fillRect/>
-          </a:stretch>
-        </p:blipFill>
-        <p:spPr>
-          <a:xfrm>
-            <a:off x="0" y="0"/>
-            <a:ext cx="12192000" cy="738909"/>
-          </a:xfrm>
-          <a:prstGeom prst="rect">
-            <a:avLst/>
-          </a:prstGeom>
-        </p:spPr>
-      </p:pic>
-      <p:pic>
-        <p:nvPicPr>
-          <p:cNvPr id="5" name="图片 4">
+          <p:cNvSpPr>
+            <a:spLocks noGrp="1"/>
+          </p:cNvSpPr>
+          <p:nvPr>
+            <p:ph type="ctrTitle"/>
+          </p:nvPr>
+        </p:nvSpPr>
+        <p:spPr/>
+        <p:txBody>
+          <a:bodyPr>
+            <a:normAutofit fontScale="90000"/>
+          </a:bodyPr>
+          <a:lstStyle/>
+          <a:p>
+            <a:r>
+              <a:rPr lang="zh-CN" altLang="en-US" dirty="0"/>
+              <a:t>测试大语言模型的常识</a:t>
+            </a:r>
+            <a:br>
+              <a:rPr lang="en-US" altLang="zh-CN" dirty="0"/>
+            </a:br>
+            <a:br>
+              <a:rPr lang="en-US" altLang="zh-CN" dirty="0"/>
+            </a:br>
+            <a:r>
+              <a:rPr lang="zh-CN" altLang="en-US" dirty="0"/>
+              <a:t>案例：叠放物品</a:t>
+            </a:r>
+          </a:p>
+        </p:txBody>
+      </p:sp>
+      <p:sp>
+        <p:nvSpPr>
+          <p:cNvPr id="3" name="副标题 2">
             <a:extLst>
               <a:ext uri="{FF2B5EF4-FFF2-40B4-BE49-F238E27FC236}">
-                <a16:creationId xmlns:a16="http://schemas.microsoft.com/office/drawing/2014/main" id="{29DB7281-453F-4658-BE22-150B88399BAD}"/>
+                <a16:creationId xmlns:a16="http://schemas.microsoft.com/office/drawing/2014/main" id="{CBB8464B-D15D-4233-A782-34CF914DD9D2}"/>
               </a:ext>
             </a:extLst>
           </p:cNvPr>
-          <p:cNvPicPr>
-            <a:picLocks noChangeAspect="1"/>
-          </p:cNvPicPr>
-          <p:nvPr/>
-        </p:nvPicPr>
-        <p:blipFill>
-          <a:blip r:embed="rId3"/>
-          <a:stretch>
-            <a:fillRect/>
-          </a:stretch>
-        </p:blipFill>
-        <p:spPr>
-          <a:xfrm>
-            <a:off x="0" y="1086927"/>
-            <a:ext cx="12192000" cy="5531309"/>
-          </a:xfrm>
-          <a:prstGeom prst="rect">
-            <a:avLst/>
-          </a:prstGeom>
-        </p:spPr>
-      </p:pic>
-      <p:sp>
-        <p:nvSpPr>
-          <p:cNvPr id="6" name="文本框 5">
+          <p:cNvSpPr>
+            <a:spLocks noGrp="1"/>
+          </p:cNvSpPr>
+          <p:nvPr>
+            <p:ph type="subTitle" idx="1"/>
+          </p:nvPr>
+        </p:nvSpPr>
+        <p:spPr>
+          <a:xfrm>
+            <a:off x="1524000" y="4449452"/>
+            <a:ext cx="9144000" cy="1131216"/>
+          </a:xfrm>
+        </p:spPr>
+        <p:txBody>
+          <a:bodyPr>
+            <a:normAutofit fontScale="92500" lnSpcReduction="20000"/>
+          </a:bodyPr>
+          <a:lstStyle/>
+          <a:p>
+            <a:r>
+              <a:rPr lang="zh-CN" altLang="en-US" dirty="0"/>
+              <a:t>詹卫东</a:t>
+            </a:r>
+            <a:endParaRPr lang="en-US" altLang="zh-CN" dirty="0"/>
+          </a:p>
+          <a:p>
+            <a:endParaRPr lang="en-US" altLang="zh-CN" dirty="0"/>
+          </a:p>
+          <a:p>
+            <a:r>
+              <a:rPr lang="en-US" altLang="zh-CN" dirty="0"/>
+              <a:t>2023-07-11</a:t>
+            </a:r>
+            <a:endParaRPr lang="zh-CN" altLang="en-US" dirty="0"/>
+          </a:p>
+        </p:txBody>
+      </p:sp>
+      <p:sp>
+        <p:nvSpPr>
+          <p:cNvPr id="4" name="文本框 3">
             <a:extLst>
               <a:ext uri="{FF2B5EF4-FFF2-40B4-BE49-F238E27FC236}">
-                <a16:creationId xmlns:a16="http://schemas.microsoft.com/office/drawing/2014/main" id="{700A9D34-1542-42D6-AFFE-2F2748F7B437}"/>
+                <a16:creationId xmlns:a16="http://schemas.microsoft.com/office/drawing/2014/main" id="{0F015F95-21DD-4688-8769-88E7E67CFDD8}"/>
               </a:ext>
             </a:extLst>
           </p:cNvPr>
@@ -3715,10 +3741,10 @@
       </p:sp>
       <p:sp>
         <p:nvSpPr>
-          <p:cNvPr id="7" name="文本框 6">
+          <p:cNvPr id="5" name="文本框 4">
             <a:extLst>
               <a:ext uri="{FF2B5EF4-FFF2-40B4-BE49-F238E27FC236}">
-                <a16:creationId xmlns:a16="http://schemas.microsoft.com/office/drawing/2014/main" id="{1B106594-71DB-4DED-996A-9409C279489F}"/>
+                <a16:creationId xmlns:a16="http://schemas.microsoft.com/office/drawing/2014/main" id="{6D7332AF-AA89-4D1C-88FD-67276583A4C4}"/>
               </a:ext>
             </a:extLst>
           </p:cNvPr>
@@ -3727,8 +3753,8 @@
         </p:nvSpPr>
         <p:spPr>
           <a:xfrm>
-            <a:off x="6323815" y="6269920"/>
-            <a:ext cx="2231796" cy="369332"/>
+            <a:off x="5354425" y="6269920"/>
+            <a:ext cx="3201186" cy="369332"/>
           </a:xfrm>
           <a:prstGeom prst="rect">
             <a:avLst/>
@@ -3742,6 +3768,10 @@
           <a:lstStyle/>
           <a:p>
             <a:r>
+              <a:rPr lang="zh-CN" altLang="en-US" dirty="0"/>
+              <a:t>试题来源：</a:t>
+            </a:r>
+            <a:r>
               <a:rPr lang="en-US" altLang="zh-CN" dirty="0" err="1"/>
               <a:t>Bubeck</a:t>
             </a:r>
@@ -3764,7 +3794,7 @@
     </p:spTree>
     <p:extLst>
       <p:ext uri="{BB962C8B-B14F-4D97-AF65-F5344CB8AC3E}">
-        <p14:creationId xmlns:p14="http://schemas.microsoft.com/office/powerpoint/2010/main" val="121025907"/>
+        <p14:creationId xmlns:p14="http://schemas.microsoft.com/office/powerpoint/2010/main" val="2398124164"/>
       </p:ext>
     </p:extLst>
   </p:cSld>
@@ -5541,98 +5571,72 @@
           <a:chExt cx="0" cy="0"/>
         </a:xfrm>
       </p:grpSpPr>
-      <p:sp>
-        <p:nvSpPr>
-          <p:cNvPr id="2" name="标题 1">
+      <p:pic>
+        <p:nvPicPr>
+          <p:cNvPr id="3" name="图片 2">
             <a:extLst>
               <a:ext uri="{FF2B5EF4-FFF2-40B4-BE49-F238E27FC236}">
-                <a16:creationId xmlns:a16="http://schemas.microsoft.com/office/drawing/2014/main" id="{7785A83E-31EE-4AB3-B4A1-D5DAA3904E23}"/>
+                <a16:creationId xmlns:a16="http://schemas.microsoft.com/office/drawing/2014/main" id="{502FC6F1-75AD-42AF-B03E-D965DD40CADA}"/>
               </a:ext>
             </a:extLst>
           </p:cNvPr>
-          <p:cNvSpPr>
-            <a:spLocks noGrp="1"/>
-          </p:cNvSpPr>
-          <p:nvPr>
-            <p:ph type="ctrTitle"/>
-          </p:nvPr>
-        </p:nvSpPr>
-        <p:spPr/>
-        <p:txBody>
-          <a:bodyPr>
-            <a:normAutofit fontScale="90000"/>
-          </a:bodyPr>
-          <a:lstStyle/>
-          <a:p>
-            <a:r>
-              <a:rPr lang="zh-CN" altLang="en-US" dirty="0"/>
-              <a:t>测试大语言模型的常识</a:t>
-            </a:r>
-            <a:br>
-              <a:rPr lang="en-US" altLang="zh-CN" dirty="0"/>
-            </a:br>
-            <a:br>
-              <a:rPr lang="en-US" altLang="zh-CN" dirty="0"/>
-            </a:br>
-            <a:r>
-              <a:rPr lang="zh-CN" altLang="en-US" dirty="0"/>
-              <a:t>案例：叠放物品</a:t>
-            </a:r>
-          </a:p>
-        </p:txBody>
-      </p:sp>
-      <p:sp>
-        <p:nvSpPr>
-          <p:cNvPr id="3" name="副标题 2">
+          <p:cNvPicPr>
+            <a:picLocks noChangeAspect="1"/>
+          </p:cNvPicPr>
+          <p:nvPr/>
+        </p:nvPicPr>
+        <p:blipFill>
+          <a:blip r:embed="rId2"/>
+          <a:stretch>
+            <a:fillRect/>
+          </a:stretch>
+        </p:blipFill>
+        <p:spPr>
+          <a:xfrm>
+            <a:off x="0" y="0"/>
+            <a:ext cx="12192000" cy="738909"/>
+          </a:xfrm>
+          <a:prstGeom prst="rect">
+            <a:avLst/>
+          </a:prstGeom>
+        </p:spPr>
+      </p:pic>
+      <p:pic>
+        <p:nvPicPr>
+          <p:cNvPr id="5" name="图片 4">
             <a:extLst>
               <a:ext uri="{FF2B5EF4-FFF2-40B4-BE49-F238E27FC236}">
-                <a16:creationId xmlns:a16="http://schemas.microsoft.com/office/drawing/2014/main" id="{CBB8464B-D15D-4233-A782-34CF914DD9D2}"/>
+                <a16:creationId xmlns:a16="http://schemas.microsoft.com/office/drawing/2014/main" id="{29DB7281-453F-4658-BE22-150B88399BAD}"/>
               </a:ext>
             </a:extLst>
           </p:cNvPr>
-          <p:cNvSpPr>
-            <a:spLocks noGrp="1"/>
-          </p:cNvSpPr>
-          <p:nvPr>
-            <p:ph type="subTitle" idx="1"/>
-          </p:nvPr>
-        </p:nvSpPr>
-        <p:spPr>
-          <a:xfrm>
-            <a:off x="1524000" y="4449452"/>
-            <a:ext cx="9144000" cy="1131216"/>
-          </a:xfrm>
-        </p:spPr>
-        <p:txBody>
-          <a:bodyPr>
-            <a:normAutofit fontScale="92500" lnSpcReduction="20000"/>
-          </a:bodyPr>
-          <a:lstStyle/>
-          <a:p>
-            <a:r>
-              <a:rPr lang="zh-CN" altLang="en-US" dirty="0"/>
-              <a:t>詹卫东</a:t>
-            </a:r>
-            <a:endParaRPr lang="en-US" altLang="zh-CN" dirty="0"/>
-          </a:p>
-          <a:p>
-            <a:endParaRPr lang="en-US" altLang="zh-CN" dirty="0"/>
-          </a:p>
-          <a:p>
-            <a:r>
-              <a:rPr lang="en-US" altLang="zh-CN" dirty="0"/>
-              <a:t>2023-07-11</a:t>
-            </a:r>
-            <a:endParaRPr lang="zh-CN" altLang="en-US" dirty="0"/>
-          </a:p>
-        </p:txBody>
-      </p:sp>
-      <p:sp>
-        <p:nvSpPr>
-          <p:cNvPr id="4" name="文本框 3">
+          <p:cNvPicPr>
+            <a:picLocks noChangeAspect="1"/>
+          </p:cNvPicPr>
+          <p:nvPr/>
+        </p:nvPicPr>
+        <p:blipFill>
+          <a:blip r:embed="rId3"/>
+          <a:stretch>
+            <a:fillRect/>
+          </a:stretch>
+        </p:blipFill>
+        <p:spPr>
+          <a:xfrm>
+            <a:off x="0" y="1086927"/>
+            <a:ext cx="12192000" cy="5531309"/>
+          </a:xfrm>
+          <a:prstGeom prst="rect">
+            <a:avLst/>
+          </a:prstGeom>
+        </p:spPr>
+      </p:pic>
+      <p:sp>
+        <p:nvSpPr>
+          <p:cNvPr id="6" name="文本框 5">
             <a:extLst>
               <a:ext uri="{FF2B5EF4-FFF2-40B4-BE49-F238E27FC236}">
-                <a16:creationId xmlns:a16="http://schemas.microsoft.com/office/drawing/2014/main" id="{0F015F95-21DD-4688-8769-88E7E67CFDD8}"/>
+                <a16:creationId xmlns:a16="http://schemas.microsoft.com/office/drawing/2014/main" id="{700A9D34-1542-42D6-AFFE-2F2748F7B437}"/>
               </a:ext>
             </a:extLst>
           </p:cNvPr>
@@ -5673,10 +5677,10 @@
       </p:sp>
       <p:sp>
         <p:nvSpPr>
-          <p:cNvPr id="5" name="文本框 4">
+          <p:cNvPr id="7" name="文本框 6">
             <a:extLst>
               <a:ext uri="{FF2B5EF4-FFF2-40B4-BE49-F238E27FC236}">
-                <a16:creationId xmlns:a16="http://schemas.microsoft.com/office/drawing/2014/main" id="{6D7332AF-AA89-4D1C-88FD-67276583A4C4}"/>
+                <a16:creationId xmlns:a16="http://schemas.microsoft.com/office/drawing/2014/main" id="{1B106594-71DB-4DED-996A-9409C279489F}"/>
               </a:ext>
             </a:extLst>
           </p:cNvPr>
@@ -5685,8 +5689,8 @@
         </p:nvSpPr>
         <p:spPr>
           <a:xfrm>
-            <a:off x="5354425" y="6269920"/>
-            <a:ext cx="3201186" cy="369332"/>
+            <a:off x="6323815" y="6269920"/>
+            <a:ext cx="2231796" cy="369332"/>
           </a:xfrm>
           <a:prstGeom prst="rect">
             <a:avLst/>
@@ -5700,10 +5704,6 @@
           <a:lstStyle/>
           <a:p>
             <a:r>
-              <a:rPr lang="zh-CN" altLang="en-US" dirty="0"/>
-              <a:t>试题来源：</a:t>
-            </a:r>
-            <a:r>
               <a:rPr lang="en-US" altLang="zh-CN" dirty="0" err="1"/>
               <a:t>Bubeck</a:t>
             </a:r>
@@ -5726,7 +5726,7 @@
     </p:spTree>
     <p:extLst>
       <p:ext uri="{BB962C8B-B14F-4D97-AF65-F5344CB8AC3E}">
-        <p14:creationId xmlns:p14="http://schemas.microsoft.com/office/powerpoint/2010/main" val="2398124164"/>
+        <p14:creationId xmlns:p14="http://schemas.microsoft.com/office/powerpoint/2010/main" val="121025907"/>
       </p:ext>
     </p:extLst>
   </p:cSld>

--- a/对比大模型/常识知识/叠放物品/LLM的常识知识_测试_叠放物品_稳定性.pptx
+++ b/对比大模型/常识知识/叠放物品/LLM的常识知识_测试_叠放物品_稳定性.pptx
@@ -215,7 +215,7 @@
           <a:p>
             <a:fld id="{7BF70191-289B-4435-A1F4-A8A3E9F8775D}" type="datetimeFigureOut">
               <a:rPr lang="zh-CN" altLang="en-US" smtClean="0"/>
-              <a:t>2023/7/13</a:t>
+              <a:t>2023/7/14</a:t>
             </a:fld>
             <a:endParaRPr lang="zh-CN" altLang="en-US"/>
           </a:p>
@@ -902,7 +902,7 @@
           <a:p>
             <a:fld id="{A2A2787E-B921-4C90-B383-9DE202D233BE}" type="datetimeFigureOut">
               <a:rPr lang="zh-CN" altLang="en-US" smtClean="0"/>
-              <a:t>2023/7/13</a:t>
+              <a:t>2023/7/14</a:t>
             </a:fld>
             <a:endParaRPr lang="zh-CN" altLang="en-US"/>
           </a:p>
@@ -1070,7 +1070,7 @@
           <a:p>
             <a:fld id="{A2A2787E-B921-4C90-B383-9DE202D233BE}" type="datetimeFigureOut">
               <a:rPr lang="zh-CN" altLang="en-US" smtClean="0"/>
-              <a:t>2023/7/13</a:t>
+              <a:t>2023/7/14</a:t>
             </a:fld>
             <a:endParaRPr lang="zh-CN" altLang="en-US"/>
           </a:p>
@@ -1248,7 +1248,7 @@
           <a:p>
             <a:fld id="{A2A2787E-B921-4C90-B383-9DE202D233BE}" type="datetimeFigureOut">
               <a:rPr lang="zh-CN" altLang="en-US" smtClean="0"/>
-              <a:t>2023/7/13</a:t>
+              <a:t>2023/7/14</a:t>
             </a:fld>
             <a:endParaRPr lang="zh-CN" altLang="en-US"/>
           </a:p>
@@ -1416,7 +1416,7 @@
           <a:p>
             <a:fld id="{A2A2787E-B921-4C90-B383-9DE202D233BE}" type="datetimeFigureOut">
               <a:rPr lang="zh-CN" altLang="en-US" smtClean="0"/>
-              <a:t>2023/7/13</a:t>
+              <a:t>2023/7/14</a:t>
             </a:fld>
             <a:endParaRPr lang="zh-CN" altLang="en-US"/>
           </a:p>
@@ -1661,7 +1661,7 @@
           <a:p>
             <a:fld id="{A2A2787E-B921-4C90-B383-9DE202D233BE}" type="datetimeFigureOut">
               <a:rPr lang="zh-CN" altLang="en-US" smtClean="0"/>
-              <a:t>2023/7/13</a:t>
+              <a:t>2023/7/14</a:t>
             </a:fld>
             <a:endParaRPr lang="zh-CN" altLang="en-US"/>
           </a:p>
@@ -1890,7 +1890,7 @@
           <a:p>
             <a:fld id="{A2A2787E-B921-4C90-B383-9DE202D233BE}" type="datetimeFigureOut">
               <a:rPr lang="zh-CN" altLang="en-US" smtClean="0"/>
-              <a:t>2023/7/13</a:t>
+              <a:t>2023/7/14</a:t>
             </a:fld>
             <a:endParaRPr lang="zh-CN" altLang="en-US"/>
           </a:p>
@@ -2254,7 +2254,7 @@
           <a:p>
             <a:fld id="{A2A2787E-B921-4C90-B383-9DE202D233BE}" type="datetimeFigureOut">
               <a:rPr lang="zh-CN" altLang="en-US" smtClean="0"/>
-              <a:t>2023/7/13</a:t>
+              <a:t>2023/7/14</a:t>
             </a:fld>
             <a:endParaRPr lang="zh-CN" altLang="en-US"/>
           </a:p>
@@ -2371,7 +2371,7 @@
           <a:p>
             <a:fld id="{A2A2787E-B921-4C90-B383-9DE202D233BE}" type="datetimeFigureOut">
               <a:rPr lang="zh-CN" altLang="en-US" smtClean="0"/>
-              <a:t>2023/7/13</a:t>
+              <a:t>2023/7/14</a:t>
             </a:fld>
             <a:endParaRPr lang="zh-CN" altLang="en-US"/>
           </a:p>
@@ -2466,7 +2466,7 @@
           <a:p>
             <a:fld id="{A2A2787E-B921-4C90-B383-9DE202D233BE}" type="datetimeFigureOut">
               <a:rPr lang="zh-CN" altLang="en-US" smtClean="0"/>
-              <a:t>2023/7/13</a:t>
+              <a:t>2023/7/14</a:t>
             </a:fld>
             <a:endParaRPr lang="zh-CN" altLang="en-US"/>
           </a:p>
@@ -2741,7 +2741,7 @@
           <a:p>
             <a:fld id="{A2A2787E-B921-4C90-B383-9DE202D233BE}" type="datetimeFigureOut">
               <a:rPr lang="zh-CN" altLang="en-US" smtClean="0"/>
-              <a:t>2023/7/13</a:t>
+              <a:t>2023/7/14</a:t>
             </a:fld>
             <a:endParaRPr lang="zh-CN" altLang="en-US"/>
           </a:p>
@@ -2993,7 +2993,7 @@
           <a:p>
             <a:fld id="{A2A2787E-B921-4C90-B383-9DE202D233BE}" type="datetimeFigureOut">
               <a:rPr lang="zh-CN" altLang="en-US" smtClean="0"/>
-              <a:t>2023/7/13</a:t>
+              <a:t>2023/7/14</a:t>
             </a:fld>
             <a:endParaRPr lang="zh-CN" altLang="en-US"/>
           </a:p>
@@ -3204,7 +3204,7 @@
           <a:p>
             <a:fld id="{A2A2787E-B921-4C90-B383-9DE202D233BE}" type="datetimeFigureOut">
               <a:rPr lang="zh-CN" altLang="en-US" smtClean="0"/>
-              <a:t>2023/7/13</a:t>
+              <a:t>2023/7/14</a:t>
             </a:fld>
             <a:endParaRPr lang="zh-CN" altLang="en-US"/>
           </a:p>
@@ -3709,7 +3709,7 @@
         </p:nvSpPr>
         <p:spPr>
           <a:xfrm>
-            <a:off x="8555611" y="6269920"/>
+            <a:off x="4593211" y="6335491"/>
             <a:ext cx="3636389" cy="369332"/>
           </a:xfrm>
           <a:prstGeom prst="rect">
@@ -3753,7 +3753,7 @@
         </p:nvSpPr>
         <p:spPr>
           <a:xfrm>
-            <a:off x="5354425" y="6269920"/>
+            <a:off x="1392025" y="6335491"/>
             <a:ext cx="3201186" cy="369332"/>
           </a:xfrm>
           <a:prstGeom prst="rect">
@@ -3788,6 +3788,64 @@
               <a:t>. 2023</a:t>
             </a:r>
             <a:endParaRPr lang="zh-CN" altLang="en-US" dirty="0"/>
+          </a:p>
+        </p:txBody>
+      </p:sp>
+      <p:sp>
+        <p:nvSpPr>
+          <p:cNvPr id="6" name="矩形 5"/>
+          <p:cNvSpPr/>
+          <p:nvPr/>
+        </p:nvSpPr>
+        <p:spPr>
+          <a:xfrm>
+            <a:off x="8098921" y="6335491"/>
+            <a:ext cx="3097323" cy="369332"/>
+          </a:xfrm>
+          <a:prstGeom prst="rect">
+            <a:avLst/>
+          </a:prstGeom>
+        </p:spPr>
+        <p:txBody>
+          <a:bodyPr wrap="none">
+            <a:spAutoFit/>
+          </a:bodyPr>
+          <a:lstStyle/>
+          <a:p>
+            <a:r>
+              <a:rPr lang="zh-CN" altLang="en-US"/>
+              <a:t>https://youtu.be/qbIk7-JPB2c</a:t>
+            </a:r>
+          </a:p>
+        </p:txBody>
+      </p:sp>
+      <p:sp>
+        <p:nvSpPr>
+          <p:cNvPr id="7" name="文本框 6"/>
+          <p:cNvSpPr txBox="1"/>
+          <p:nvPr/>
+        </p:nvSpPr>
+        <p:spPr>
+          <a:xfrm>
+            <a:off x="11118574" y="6336042"/>
+            <a:ext cx="887896" cy="368781"/>
+          </a:xfrm>
+          <a:prstGeom prst="rect">
+            <a:avLst/>
+          </a:prstGeom>
+          <a:noFill/>
+        </p:spPr>
+        <p:txBody>
+          <a:bodyPr wrap="square" rtlCol="0">
+            <a:spAutoFit/>
+          </a:bodyPr>
+          <a:lstStyle/>
+          <a:p>
+            <a:r>
+              <a:rPr lang="en-US" altLang="zh-CN"/>
+              <a:t>8’45’’</a:t>
+            </a:r>
+            <a:endParaRPr lang="zh-CN" altLang="en-US"/>
           </a:p>
         </p:txBody>
       </p:sp>
@@ -3884,8 +3942,8 @@
         </p:nvSpPr>
         <p:spPr>
           <a:xfrm>
-            <a:off x="10399059" y="134471"/>
-            <a:ext cx="1120588" cy="367553"/>
+            <a:off x="11308977" y="0"/>
+            <a:ext cx="883024" cy="367553"/>
           </a:xfrm>
           <a:prstGeom prst="rect">
             <a:avLst/>
@@ -3899,10 +3957,14 @@
           <a:lstStyle/>
           <a:p>
             <a:r>
-              <a:rPr lang="en-US" altLang="zh-CN" b="1"/>
-              <a:t>GPT-4</a:t>
-            </a:r>
-            <a:endParaRPr lang="zh-CN" altLang="en-US" b="1"/>
+              <a:rPr lang="en-US" altLang="zh-CN" b="1" dirty="0" err="1"/>
+              <a:t>GPT</a:t>
+            </a:r>
+            <a:r>
+              <a:rPr lang="en-US" altLang="zh-CN" b="1" dirty="0"/>
+              <a:t>-4</a:t>
+            </a:r>
+            <a:endParaRPr lang="zh-CN" altLang="en-US" b="1" dirty="0"/>
           </a:p>
         </p:txBody>
       </p:sp>
@@ -4047,8 +4109,8 @@
         </p:nvSpPr>
         <p:spPr>
           <a:xfrm>
-            <a:off x="10399059" y="134471"/>
-            <a:ext cx="1479176" cy="369332"/>
+            <a:off x="11057965" y="0"/>
+            <a:ext cx="1134035" cy="369332"/>
           </a:xfrm>
           <a:prstGeom prst="rect">
             <a:avLst/>
@@ -4062,10 +4124,10 @@
           <a:lstStyle/>
           <a:p>
             <a:r>
-              <a:rPr lang="en-US" altLang="zh-CN" b="1"/>
+              <a:rPr lang="en-US" altLang="zh-CN" b="1" dirty="0" err="1"/>
               <a:t>claude.ai</a:t>
             </a:r>
-            <a:endParaRPr lang="zh-CN" altLang="en-US" b="1"/>
+            <a:endParaRPr lang="zh-CN" altLang="en-US" b="1" dirty="0"/>
           </a:p>
         </p:txBody>
       </p:sp>
@@ -4282,8 +4344,8 @@
         </p:nvSpPr>
         <p:spPr>
           <a:xfrm>
-            <a:off x="10399059" y="134471"/>
-            <a:ext cx="1479176" cy="369332"/>
+            <a:off x="11026588" y="-17673"/>
+            <a:ext cx="1165412" cy="369332"/>
           </a:xfrm>
           <a:prstGeom prst="rect">
             <a:avLst/>
@@ -4297,10 +4359,10 @@
           <a:lstStyle/>
           <a:p>
             <a:r>
-              <a:rPr lang="en-US" altLang="zh-CN" b="1"/>
+              <a:rPr lang="en-US" altLang="zh-CN" b="1" dirty="0" err="1"/>
               <a:t>claude.ai</a:t>
             </a:r>
-            <a:endParaRPr lang="zh-CN" altLang="en-US" b="1"/>
+            <a:endParaRPr lang="zh-CN" altLang="en-US" b="1" dirty="0"/>
           </a:p>
         </p:txBody>
       </p:sp>
@@ -4385,7 +4447,7 @@
               </a:lnSpc>
             </a:pPr>
             <a:r>
-              <a:rPr lang="zh-CN" altLang="en-US"/>
+              <a:rPr lang="zh-CN" altLang="en-US" dirty="0"/>
               <a:t>User</a:t>
             </a:r>
           </a:p>
@@ -4396,7 +4458,7 @@
               </a:lnSpc>
             </a:pPr>
             <a:r>
-              <a:rPr lang="zh-CN" altLang="en-US"/>
+              <a:rPr lang="zh-CN" altLang="en-US" dirty="0"/>
               <a:t>我给你5种东西，请考虑如何把它们置于一张桌子上，从下到上叠放到一起，越稳定越好。</a:t>
             </a:r>
           </a:p>
@@ -4407,7 +4469,7 @@
               </a:lnSpc>
             </a:pPr>
             <a:r>
-              <a:rPr lang="zh-CN" altLang="en-US"/>
+              <a:rPr lang="zh-CN" altLang="en-US" dirty="0"/>
               <a:t>这5种东西是：（a）1本书；（b）9个熟鸡蛋；（c）1台笔记本电脑；（d）1瓶350ml未开盖的矿泉水；（e）1个普通图钉（钉帽直径 10mm，钉身长度 10mm）。</a:t>
             </a:r>
           </a:p>
@@ -4421,8 +4483,8 @@
         </p:nvSpPr>
         <p:spPr>
           <a:xfrm>
-            <a:off x="10399059" y="134471"/>
-            <a:ext cx="1479176" cy="369332"/>
+            <a:off x="10493005" y="-13447"/>
+            <a:ext cx="1658654" cy="369332"/>
           </a:xfrm>
           <a:prstGeom prst="rect">
             <a:avLst/>
@@ -4436,10 +4498,10 @@
           <a:lstStyle/>
           <a:p>
             <a:r>
-              <a:rPr lang="en-US" altLang="zh-CN" b="1"/>
-              <a:t>slack/claude</a:t>
-            </a:r>
-            <a:endParaRPr lang="zh-CN" altLang="en-US" b="1"/>
+              <a:rPr lang="en-US" altLang="zh-CN" b="1" dirty="0" err="1"/>
+              <a:t>claude@slack</a:t>
+            </a:r>
+            <a:endParaRPr lang="zh-CN" altLang="en-US" b="1" dirty="0"/>
           </a:p>
         </p:txBody>
       </p:sp>
@@ -4672,36 +4734,6 @@
           </a:p>
         </p:txBody>
       </p:sp>
-      <p:sp>
-        <p:nvSpPr>
-          <p:cNvPr id="5" name="文本框 4"/>
-          <p:cNvSpPr txBox="1"/>
-          <p:nvPr/>
-        </p:nvSpPr>
-        <p:spPr>
-          <a:xfrm>
-            <a:off x="10399059" y="134471"/>
-            <a:ext cx="1479176" cy="369332"/>
-          </a:xfrm>
-          <a:prstGeom prst="rect">
-            <a:avLst/>
-          </a:prstGeom>
-          <a:noFill/>
-        </p:spPr>
-        <p:txBody>
-          <a:bodyPr wrap="square" rtlCol="0">
-            <a:spAutoFit/>
-          </a:bodyPr>
-          <a:lstStyle/>
-          <a:p>
-            <a:r>
-              <a:rPr lang="en-US" altLang="zh-CN" b="1"/>
-              <a:t>slack/claude</a:t>
-            </a:r>
-            <a:endParaRPr lang="zh-CN" altLang="en-US" b="1"/>
-          </a:p>
-        </p:txBody>
-      </p:sp>
       <p:pic>
         <p:nvPicPr>
           <p:cNvPr id="4" name="图片 3"/>
@@ -4726,6 +4758,42 @@
           </a:prstGeom>
         </p:spPr>
       </p:pic>
+      <p:sp>
+        <p:nvSpPr>
+          <p:cNvPr id="6" name="文本框 5">
+            <a:extLst>
+              <a:ext uri="{FF2B5EF4-FFF2-40B4-BE49-F238E27FC236}">
+                <a16:creationId xmlns:a16="http://schemas.microsoft.com/office/drawing/2014/main" id="{4ECD7EDF-8192-445E-B789-85484FC863F3}"/>
+              </a:ext>
+            </a:extLst>
+          </p:cNvPr>
+          <p:cNvSpPr txBox="1"/>
+          <p:nvPr/>
+        </p:nvSpPr>
+        <p:spPr>
+          <a:xfrm>
+            <a:off x="10493005" y="-13447"/>
+            <a:ext cx="1658654" cy="369332"/>
+          </a:xfrm>
+          <a:prstGeom prst="rect">
+            <a:avLst/>
+          </a:prstGeom>
+          <a:noFill/>
+        </p:spPr>
+        <p:txBody>
+          <a:bodyPr wrap="square" rtlCol="0">
+            <a:spAutoFit/>
+          </a:bodyPr>
+          <a:lstStyle/>
+          <a:p>
+            <a:r>
+              <a:rPr lang="en-US" altLang="zh-CN" b="1" dirty="0" err="1"/>
+              <a:t>claude@slack</a:t>
+            </a:r>
+            <a:endParaRPr lang="zh-CN" altLang="en-US" b="1" dirty="0"/>
+          </a:p>
+        </p:txBody>
+      </p:sp>
     </p:spTree>
     <p:extLst>
       <p:ext uri="{BB962C8B-B14F-4D97-AF65-F5344CB8AC3E}">
@@ -4819,7 +4887,7 @@
         </p:nvSpPr>
         <p:spPr>
           <a:xfrm>
-            <a:off x="10399059" y="134471"/>
+            <a:off x="10712824" y="0"/>
             <a:ext cx="1479176" cy="369332"/>
           </a:xfrm>
           <a:prstGeom prst="rect">
@@ -4834,10 +4902,14 @@
           <a:lstStyle/>
           <a:p>
             <a:r>
-              <a:rPr lang="en-US" altLang="zh-CN" b="1"/>
-              <a:t>Vicuna-13b</a:t>
-            </a:r>
-            <a:endParaRPr lang="zh-CN" altLang="en-US" b="1"/>
+              <a:rPr lang="en-US" altLang="zh-CN" b="1" dirty="0"/>
+              <a:t>vicuna-</a:t>
+            </a:r>
+            <a:r>
+              <a:rPr lang="en-US" altLang="zh-CN" b="1" dirty="0" err="1"/>
+              <a:t>13b</a:t>
+            </a:r>
+            <a:endParaRPr lang="zh-CN" altLang="en-US" b="1" dirty="0"/>
           </a:p>
         </p:txBody>
       </p:sp>
@@ -4958,8 +5030,8 @@
         </p:nvSpPr>
         <p:spPr>
           <a:xfrm>
-            <a:off x="10399059" y="134471"/>
-            <a:ext cx="1479176" cy="369332"/>
+            <a:off x="11040035" y="0"/>
+            <a:ext cx="1151965" cy="369332"/>
           </a:xfrm>
           <a:prstGeom prst="rect">
             <a:avLst/>
@@ -4973,7 +5045,7 @@
           <a:lstStyle/>
           <a:p>
             <a:r>
-              <a:rPr lang="zh-CN" altLang="en-US" b="1"/>
+              <a:rPr lang="zh-CN" altLang="en-US" b="1" dirty="0"/>
               <a:t>文心一言</a:t>
             </a:r>
           </a:p>
@@ -5060,7 +5132,7 @@
               </a:lnSpc>
             </a:pPr>
             <a:r>
-              <a:rPr lang="zh-CN" altLang="en-US"/>
+              <a:rPr lang="zh-CN" altLang="en-US" dirty="0"/>
               <a:t>User</a:t>
             </a:r>
           </a:p>
@@ -5071,15 +5143,15 @@
               </a:lnSpc>
             </a:pPr>
             <a:r>
-              <a:rPr lang="zh-CN" altLang="en-US"/>
+              <a:rPr lang="zh-CN" altLang="en-US" dirty="0"/>
               <a:t>好的。我再给你</a:t>
             </a:r>
             <a:r>
-              <a:rPr lang="en-US" altLang="zh-CN"/>
+              <a:rPr lang="en-US" altLang="zh-CN" dirty="0"/>
               <a:t>5</a:t>
             </a:r>
             <a:r>
-              <a:rPr lang="zh-CN" altLang="en-US"/>
+              <a:rPr lang="zh-CN" altLang="en-US" dirty="0"/>
               <a:t>种东西，请考虑如何把它们置于一张桌子上，从下到上叠放到一起，要求还是越稳定越好。</a:t>
             </a:r>
           </a:p>
@@ -5090,149 +5162,120 @@
               </a:lnSpc>
             </a:pPr>
             <a:r>
-              <a:rPr lang="zh-CN" altLang="en-US"/>
+              <a:rPr lang="zh-CN" altLang="en-US" dirty="0"/>
               <a:t>这</a:t>
             </a:r>
             <a:r>
-              <a:rPr lang="en-US" altLang="zh-CN"/>
+              <a:rPr lang="en-US" altLang="zh-CN" dirty="0"/>
               <a:t>5</a:t>
             </a:r>
             <a:r>
-              <a:rPr lang="zh-CN" altLang="en-US"/>
+              <a:rPr lang="zh-CN" altLang="en-US" dirty="0"/>
               <a:t>种东西是：（</a:t>
             </a:r>
             <a:r>
-              <a:rPr lang="en-US" altLang="zh-CN"/>
+              <a:rPr lang="en-US" altLang="zh-CN" dirty="0"/>
               <a:t>a</a:t>
             </a:r>
             <a:r>
-              <a:rPr lang="zh-CN" altLang="en-US"/>
+              <a:rPr lang="zh-CN" altLang="en-US" dirty="0"/>
               <a:t>）</a:t>
             </a:r>
             <a:r>
-              <a:rPr lang="en-US" altLang="zh-CN"/>
+              <a:rPr lang="en-US" altLang="zh-CN" dirty="0"/>
               <a:t>1</a:t>
             </a:r>
             <a:r>
-              <a:rPr lang="zh-CN" altLang="en-US"/>
+              <a:rPr lang="zh-CN" altLang="en-US" dirty="0"/>
               <a:t>瓶</a:t>
             </a:r>
             <a:r>
-              <a:rPr lang="en-US" altLang="zh-CN"/>
+              <a:rPr lang="en-US" altLang="zh-CN" dirty="0" err="1"/>
               <a:t>350ml</a:t>
             </a:r>
             <a:r>
-              <a:rPr lang="zh-CN" altLang="en-US"/>
+              <a:rPr lang="zh-CN" altLang="en-US" dirty="0"/>
               <a:t>未开盖的矿泉水；（</a:t>
             </a:r>
             <a:r>
-              <a:rPr lang="en-US" altLang="zh-CN"/>
+              <a:rPr lang="en-US" altLang="zh-CN" dirty="0"/>
               <a:t>b</a:t>
             </a:r>
             <a:r>
-              <a:rPr lang="zh-CN" altLang="en-US"/>
+              <a:rPr lang="zh-CN" altLang="en-US" dirty="0"/>
               <a:t>）</a:t>
             </a:r>
             <a:r>
-              <a:rPr lang="en-US" altLang="zh-CN"/>
+              <a:rPr lang="en-US" altLang="zh-CN" dirty="0"/>
               <a:t>1</a:t>
             </a:r>
             <a:r>
-              <a:rPr lang="zh-CN" altLang="en-US"/>
+              <a:rPr lang="zh-CN" altLang="en-US" dirty="0"/>
               <a:t>台笔记本电脑；（</a:t>
             </a:r>
             <a:r>
-              <a:rPr lang="en-US" altLang="zh-CN"/>
+              <a:rPr lang="en-US" altLang="zh-CN" dirty="0"/>
               <a:t>c</a:t>
             </a:r>
             <a:r>
-              <a:rPr lang="zh-CN" altLang="en-US"/>
+              <a:rPr lang="zh-CN" altLang="en-US" dirty="0"/>
               <a:t>）；</a:t>
             </a:r>
             <a:r>
-              <a:rPr lang="en-US" altLang="zh-CN"/>
+              <a:rPr lang="en-US" altLang="zh-CN" dirty="0"/>
               <a:t>1</a:t>
             </a:r>
             <a:r>
-              <a:rPr lang="zh-CN" altLang="en-US"/>
+              <a:rPr lang="zh-CN" altLang="en-US" dirty="0"/>
               <a:t>个普通图钉（钉帽直径 </a:t>
             </a:r>
             <a:r>
-              <a:rPr lang="en-US" altLang="zh-CN"/>
+              <a:rPr lang="en-US" altLang="zh-CN" dirty="0" err="1"/>
               <a:t>10mm</a:t>
             </a:r>
             <a:r>
-              <a:rPr lang="zh-CN" altLang="en-US"/>
+              <a:rPr lang="zh-CN" altLang="en-US" dirty="0"/>
               <a:t>，钉身长度 </a:t>
             </a:r>
             <a:r>
-              <a:rPr lang="en-US" altLang="zh-CN"/>
+              <a:rPr lang="en-US" altLang="zh-CN" dirty="0" err="1"/>
               <a:t>10mm</a:t>
             </a:r>
             <a:r>
-              <a:rPr lang="zh-CN" altLang="en-US"/>
+              <a:rPr lang="zh-CN" altLang="en-US" dirty="0"/>
               <a:t>）（</a:t>
             </a:r>
             <a:r>
-              <a:rPr lang="en-US" altLang="zh-CN"/>
+              <a:rPr lang="en-US" altLang="zh-CN" dirty="0"/>
               <a:t>d</a:t>
             </a:r>
             <a:r>
-              <a:rPr lang="zh-CN" altLang="en-US"/>
+              <a:rPr lang="zh-CN" altLang="en-US" dirty="0"/>
               <a:t>）</a:t>
             </a:r>
             <a:r>
-              <a:rPr lang="en-US" altLang="zh-CN"/>
+              <a:rPr lang="en-US" altLang="zh-CN" dirty="0"/>
               <a:t>9</a:t>
             </a:r>
             <a:r>
-              <a:rPr lang="zh-CN" altLang="en-US"/>
+              <a:rPr lang="zh-CN" altLang="en-US" dirty="0"/>
               <a:t>个熟鸡蛋；（</a:t>
             </a:r>
             <a:r>
-              <a:rPr lang="en-US" altLang="zh-CN"/>
+              <a:rPr lang="en-US" altLang="zh-CN" dirty="0"/>
               <a:t>e</a:t>
             </a:r>
             <a:r>
-              <a:rPr lang="zh-CN" altLang="en-US"/>
+              <a:rPr lang="zh-CN" altLang="en-US" dirty="0"/>
               <a:t>）</a:t>
             </a:r>
             <a:r>
-              <a:rPr lang="en-US" altLang="zh-CN"/>
+              <a:rPr lang="en-US" altLang="zh-CN" dirty="0"/>
               <a:t>1</a:t>
             </a:r>
             <a:r>
-              <a:rPr lang="zh-CN" altLang="en-US"/>
+              <a:rPr lang="zh-CN" altLang="en-US" dirty="0"/>
               <a:t>本书。</a:t>
-            </a:r>
-          </a:p>
-        </p:txBody>
-      </p:sp>
-      <p:sp>
-        <p:nvSpPr>
-          <p:cNvPr id="5" name="文本框 4"/>
-          <p:cNvSpPr txBox="1"/>
-          <p:nvPr/>
-        </p:nvSpPr>
-        <p:spPr>
-          <a:xfrm>
-            <a:off x="10399059" y="134471"/>
-            <a:ext cx="1479176" cy="369332"/>
-          </a:xfrm>
-          <a:prstGeom prst="rect">
-            <a:avLst/>
-          </a:prstGeom>
-          <a:noFill/>
-        </p:spPr>
-        <p:txBody>
-          <a:bodyPr wrap="square" rtlCol="0">
-            <a:spAutoFit/>
-          </a:bodyPr>
-          <a:lstStyle/>
-          <a:p>
-            <a:r>
-              <a:rPr lang="zh-CN" altLang="en-US" b="1"/>
-              <a:t>文心一言</a:t>
             </a:r>
           </a:p>
         </p:txBody>
@@ -5261,6 +5304,41 @@
           </a:prstGeom>
         </p:spPr>
       </p:pic>
+      <p:sp>
+        <p:nvSpPr>
+          <p:cNvPr id="6" name="文本框 5">
+            <a:extLst>
+              <a:ext uri="{FF2B5EF4-FFF2-40B4-BE49-F238E27FC236}">
+                <a16:creationId xmlns:a16="http://schemas.microsoft.com/office/drawing/2014/main" id="{E9E1CC76-B8EB-46DC-97D3-4EC91D810789}"/>
+              </a:ext>
+            </a:extLst>
+          </p:cNvPr>
+          <p:cNvSpPr txBox="1"/>
+          <p:nvPr/>
+        </p:nvSpPr>
+        <p:spPr>
+          <a:xfrm>
+            <a:off x="11040035" y="0"/>
+            <a:ext cx="1151965" cy="369332"/>
+          </a:xfrm>
+          <a:prstGeom prst="rect">
+            <a:avLst/>
+          </a:prstGeom>
+          <a:noFill/>
+        </p:spPr>
+        <p:txBody>
+          <a:bodyPr wrap="square" rtlCol="0">
+            <a:spAutoFit/>
+          </a:bodyPr>
+          <a:lstStyle/>
+          <a:p>
+            <a:r>
+              <a:rPr lang="zh-CN" altLang="en-US" b="1" dirty="0"/>
+              <a:t>文心一言</a:t>
+            </a:r>
+          </a:p>
+        </p:txBody>
+      </p:sp>
     </p:spTree>
     <p:extLst>
       <p:ext uri="{BB962C8B-B14F-4D97-AF65-F5344CB8AC3E}">
@@ -5354,8 +5432,8 @@
         </p:nvSpPr>
         <p:spPr>
           <a:xfrm>
-            <a:off x="10399059" y="134471"/>
-            <a:ext cx="1479176" cy="369332"/>
+            <a:off x="10856259" y="0"/>
+            <a:ext cx="1335741" cy="369332"/>
           </a:xfrm>
           <a:prstGeom prst="rect">
             <a:avLst/>
@@ -5369,7 +5447,7 @@
           <a:lstStyle/>
           <a:p>
             <a:r>
-              <a:rPr lang="zh-CN" altLang="en-US" b="1"/>
+              <a:rPr lang="zh-CN" altLang="en-US" b="1" dirty="0"/>
               <a:t>星火大模型</a:t>
             </a:r>
           </a:p>
@@ -5492,8 +5570,8 @@
         </p:nvSpPr>
         <p:spPr>
           <a:xfrm>
-            <a:off x="10399059" y="134471"/>
-            <a:ext cx="1479176" cy="369332"/>
+            <a:off x="11118477" y="0"/>
+            <a:ext cx="1073523" cy="369332"/>
           </a:xfrm>
           <a:prstGeom prst="rect">
             <a:avLst/>
@@ -5507,11 +5585,11 @@
           <a:lstStyle/>
           <a:p>
             <a:r>
-              <a:rPr lang="en-US" altLang="zh-CN" b="1"/>
+              <a:rPr lang="en-US" altLang="zh-CN" b="1" dirty="0"/>
               <a:t>360</a:t>
             </a:r>
             <a:r>
-              <a:rPr lang="zh-CN" altLang="en-US" b="1"/>
+              <a:rPr lang="zh-CN" altLang="en-US" b="1" dirty="0"/>
               <a:t>智脑</a:t>
             </a:r>
           </a:p>
@@ -5965,6 +6043,46 @@
           </a:prstGeom>
         </p:spPr>
       </p:pic>
+      <p:sp>
+        <p:nvSpPr>
+          <p:cNvPr id="2" name="文本框 1">
+            <a:extLst>
+              <a:ext uri="{FF2B5EF4-FFF2-40B4-BE49-F238E27FC236}">
+                <a16:creationId xmlns:a16="http://schemas.microsoft.com/office/drawing/2014/main" id="{ED059A1D-39D8-4C99-9426-54DD9E4BAEAB}"/>
+              </a:ext>
+            </a:extLst>
+          </p:cNvPr>
+          <p:cNvSpPr txBox="1"/>
+          <p:nvPr/>
+        </p:nvSpPr>
+        <p:spPr>
+          <a:xfrm>
+            <a:off x="0" y="0"/>
+            <a:ext cx="1210236" cy="400110"/>
+          </a:xfrm>
+          <a:prstGeom prst="rect">
+            <a:avLst/>
+          </a:prstGeom>
+          <a:noFill/>
+        </p:spPr>
+        <p:txBody>
+          <a:bodyPr wrap="square" rtlCol="0">
+            <a:spAutoFit/>
+          </a:bodyPr>
+          <a:lstStyle/>
+          <a:p>
+            <a:r>
+              <a:rPr lang="en-US" altLang="zh-CN" sz="2000" b="1" dirty="0" err="1"/>
+              <a:t>GPT</a:t>
+            </a:r>
+            <a:r>
+              <a:rPr lang="en-US" altLang="zh-CN" sz="2000" b="1" dirty="0"/>
+              <a:t>-4</a:t>
+            </a:r>
+            <a:endParaRPr lang="zh-CN" altLang="en-US" sz="2000" b="1" dirty="0"/>
+          </a:p>
+        </p:txBody>
+      </p:sp>
     </p:spTree>
     <p:extLst>
       <p:ext uri="{BB962C8B-B14F-4D97-AF65-F5344CB8AC3E}">
@@ -6025,6 +6143,42 @@
           </a:prstGeom>
         </p:spPr>
       </p:pic>
+      <p:sp>
+        <p:nvSpPr>
+          <p:cNvPr id="4" name="文本框 3">
+            <a:extLst>
+              <a:ext uri="{FF2B5EF4-FFF2-40B4-BE49-F238E27FC236}">
+                <a16:creationId xmlns:a16="http://schemas.microsoft.com/office/drawing/2014/main" id="{F8BA9493-451D-472E-8B6A-CAF4799C340E}"/>
+              </a:ext>
+            </a:extLst>
+          </p:cNvPr>
+          <p:cNvSpPr txBox="1"/>
+          <p:nvPr/>
+        </p:nvSpPr>
+        <p:spPr>
+          <a:xfrm>
+            <a:off x="0" y="0"/>
+            <a:ext cx="1210236" cy="400110"/>
+          </a:xfrm>
+          <a:prstGeom prst="rect">
+            <a:avLst/>
+          </a:prstGeom>
+          <a:noFill/>
+        </p:spPr>
+        <p:txBody>
+          <a:bodyPr wrap="square" rtlCol="0">
+            <a:spAutoFit/>
+          </a:bodyPr>
+          <a:lstStyle/>
+          <a:p>
+            <a:r>
+              <a:rPr lang="en-US" altLang="zh-CN" sz="2000" b="1" dirty="0" err="1"/>
+              <a:t>ChatGPT</a:t>
+            </a:r>
+            <a:endParaRPr lang="zh-CN" altLang="en-US" sz="2000" b="1" dirty="0"/>
+          </a:p>
+        </p:txBody>
+      </p:sp>
     </p:spTree>
     <p:extLst>
       <p:ext uri="{BB962C8B-B14F-4D97-AF65-F5344CB8AC3E}">
@@ -6085,6 +6239,42 @@
           </a:prstGeom>
         </p:spPr>
       </p:pic>
+      <p:sp>
+        <p:nvSpPr>
+          <p:cNvPr id="4" name="文本框 3">
+            <a:extLst>
+              <a:ext uri="{FF2B5EF4-FFF2-40B4-BE49-F238E27FC236}">
+                <a16:creationId xmlns:a16="http://schemas.microsoft.com/office/drawing/2014/main" id="{811A4F13-E0BA-453E-9107-F91955111FF4}"/>
+              </a:ext>
+            </a:extLst>
+          </p:cNvPr>
+          <p:cNvSpPr txBox="1"/>
+          <p:nvPr/>
+        </p:nvSpPr>
+        <p:spPr>
+          <a:xfrm>
+            <a:off x="0" y="0"/>
+            <a:ext cx="1459006" cy="400110"/>
+          </a:xfrm>
+          <a:prstGeom prst="rect">
+            <a:avLst/>
+          </a:prstGeom>
+          <a:noFill/>
+        </p:spPr>
+        <p:txBody>
+          <a:bodyPr wrap="square" rtlCol="0">
+            <a:spAutoFit/>
+          </a:bodyPr>
+          <a:lstStyle/>
+          <a:p>
+            <a:r>
+              <a:rPr lang="en-US" altLang="zh-CN" sz="2000" b="1" dirty="0" err="1"/>
+              <a:t>claude.ai</a:t>
+            </a:r>
+            <a:endParaRPr lang="zh-CN" altLang="en-US" sz="2000" b="1" dirty="0"/>
+          </a:p>
+        </p:txBody>
+      </p:sp>
     </p:spTree>
     <p:extLst>
       <p:ext uri="{BB962C8B-B14F-4D97-AF65-F5344CB8AC3E}">
@@ -6197,6 +6387,42 @@
           </a:p>
         </p:txBody>
       </p:sp>
+      <p:sp>
+        <p:nvSpPr>
+          <p:cNvPr id="5" name="文本框 4">
+            <a:extLst>
+              <a:ext uri="{FF2B5EF4-FFF2-40B4-BE49-F238E27FC236}">
+                <a16:creationId xmlns:a16="http://schemas.microsoft.com/office/drawing/2014/main" id="{CDADF2DA-2FED-4B37-BA32-CEB332897FA9}"/>
+              </a:ext>
+            </a:extLst>
+          </p:cNvPr>
+          <p:cNvSpPr txBox="1"/>
+          <p:nvPr/>
+        </p:nvSpPr>
+        <p:spPr>
+          <a:xfrm>
+            <a:off x="-1" y="0"/>
+            <a:ext cx="2097741" cy="400110"/>
+          </a:xfrm>
+          <a:prstGeom prst="rect">
+            <a:avLst/>
+          </a:prstGeom>
+          <a:noFill/>
+        </p:spPr>
+        <p:txBody>
+          <a:bodyPr wrap="square" rtlCol="0">
+            <a:spAutoFit/>
+          </a:bodyPr>
+          <a:lstStyle/>
+          <a:p>
+            <a:r>
+              <a:rPr lang="en-US" altLang="zh-CN" sz="2000" b="1" dirty="0" err="1"/>
+              <a:t>claude@slack</a:t>
+            </a:r>
+            <a:endParaRPr lang="zh-CN" altLang="en-US" sz="2000" b="1" dirty="0"/>
+          </a:p>
+        </p:txBody>
+      </p:sp>
     </p:spTree>
     <p:extLst>
       <p:ext uri="{BB962C8B-B14F-4D97-AF65-F5344CB8AC3E}">
@@ -6321,16 +6547,44 @@
               </a:rPr>
               <a:t>https://chat.lmsys.org/</a:t>
             </a:r>
-            <a:r>
-              <a:rPr lang="zh-CN" altLang="en-US" dirty="0"/>
-              <a:t>                </a:t>
-            </a:r>
-            <a:r>
-              <a:rPr lang="en-US" altLang="zh-CN" dirty="0"/>
+            <a:endParaRPr lang="zh-CN" altLang="en-US" b="1" dirty="0"/>
+          </a:p>
+        </p:txBody>
+      </p:sp>
+      <p:sp>
+        <p:nvSpPr>
+          <p:cNvPr id="7" name="文本框 6">
+            <a:extLst>
+              <a:ext uri="{FF2B5EF4-FFF2-40B4-BE49-F238E27FC236}">
+                <a16:creationId xmlns:a16="http://schemas.microsoft.com/office/drawing/2014/main" id="{E8C6976E-68C5-4C05-9C22-7FFB55F8AA77}"/>
+              </a:ext>
+            </a:extLst>
+          </p:cNvPr>
+          <p:cNvSpPr txBox="1"/>
+          <p:nvPr/>
+        </p:nvSpPr>
+        <p:spPr>
+          <a:xfrm>
+            <a:off x="0" y="1207105"/>
+            <a:ext cx="6094878" cy="369332"/>
+          </a:xfrm>
+          <a:prstGeom prst="rect">
+            <a:avLst/>
+          </a:prstGeom>
+          <a:noFill/>
+        </p:spPr>
+        <p:txBody>
+          <a:bodyPr wrap="square">
+            <a:spAutoFit/>
+          </a:bodyPr>
+          <a:lstStyle/>
+          <a:p>
+            <a:r>
+              <a:rPr lang="en-US" altLang="zh-CN" b="1" dirty="0"/>
               <a:t>vicuna-</a:t>
             </a:r>
             <a:r>
-              <a:rPr lang="en-US" altLang="zh-CN" dirty="0" err="1"/>
+              <a:rPr lang="en-US" altLang="zh-CN" b="1" dirty="0" err="1"/>
               <a:t>13b</a:t>
             </a:r>
             <a:endParaRPr lang="zh-CN" altLang="en-US" dirty="0"/>
@@ -6394,7 +6648,7 @@
               </a:lnSpc>
             </a:pPr>
             <a:r>
-              <a:rPr lang="zh-CN" altLang="en-US"/>
+              <a:rPr lang="zh-CN" altLang="en-US" dirty="0"/>
               <a:t>User</a:t>
             </a:r>
           </a:p>
@@ -6405,7 +6659,7 @@
               </a:lnSpc>
             </a:pPr>
             <a:r>
-              <a:rPr lang="zh-CN" altLang="en-US"/>
+              <a:rPr lang="zh-CN" altLang="en-US" dirty="0"/>
               <a:t>我给你5种东西，请考虑如何把它们置于一张桌子上，从下到上叠放到一起，越稳定越好。</a:t>
             </a:r>
           </a:p>
@@ -6416,7 +6670,7 @@
               </a:lnSpc>
             </a:pPr>
             <a:r>
-              <a:rPr lang="zh-CN" altLang="en-US"/>
+              <a:rPr lang="zh-CN" altLang="en-US" dirty="0"/>
               <a:t>这5种东西是：（a）1本书；（b）9个熟鸡蛋；（c）1台笔记本电脑；（d）1瓶350ml未开盖的矿泉水；（e）1个普通图钉（钉帽直径 10mm，钉身长度 10mm）。</a:t>
             </a:r>
           </a:p>
@@ -6454,7 +6708,7 @@
         </p:nvSpPr>
         <p:spPr>
           <a:xfrm>
-            <a:off x="10399059" y="134471"/>
+            <a:off x="11071412" y="0"/>
             <a:ext cx="1120588" cy="367553"/>
           </a:xfrm>
           <a:prstGeom prst="rect">
@@ -6469,10 +6723,10 @@
           <a:lstStyle/>
           <a:p>
             <a:r>
-              <a:rPr lang="en-US" altLang="zh-CN" b="1"/>
+              <a:rPr lang="en-US" altLang="zh-CN" b="1" dirty="0" err="1"/>
               <a:t>ChatGPT</a:t>
             </a:r>
-            <a:endParaRPr lang="zh-CN" altLang="en-US" b="1"/>
+            <a:endParaRPr lang="zh-CN" altLang="en-US" b="1" dirty="0"/>
           </a:p>
         </p:txBody>
       </p:sp>
